--- a/Formal Letter Generator.pptx
+++ b/Formal Letter Generator.pptx
@@ -104,6 +104,11 @@
       </a:defRPr>
     </a:lvl9pPr>
   </p:defaultTextStyle>
+  <p:extLst>
+    <p:ext uri="{EFAFB233-063F-42B5-8137-9DF3F51BA10A}">
+      <p15:sldGuideLst xmlns:p15="http://schemas.microsoft.com/office/powerpoint/2012/main"/>
+    </p:ext>
+  </p:extLst>
 </p:presentation>
 </file>
 
@@ -3351,7 +3356,7 @@
           <a:p>
             <a:pPr algn="ctr"/>
             <a:r>
-              <a:rPr lang="en-US" sz="5400" dirty="0">
+              <a:rPr lang="en-US" sz="5400" b="1" dirty="0">
                 <a:latin typeface="Monospac821 BT" panose="020B0609020202020204" pitchFamily="49" charset="0"/>
               </a:rPr>
               <a:t> Formal Letter Generator</a:t>
